--- a/car mitsubishi.pptx
+++ b/car mitsubishi.pptx
@@ -2996,7 +2996,7 @@
               <a:latin typeface="Arial" panose="020B0604020202020204" pitchFamily="34" charset="0"/>
               <a:cs typeface="Arial" panose="020B0604020202020204" pitchFamily="34" charset="0"/>
             </a:rPr>
-            <a:t>LƯU THÔNG TIN KHÁC HÀNG</a:t>
+            <a:t>LƯU THÔNG TIN KHÁCH HÀNG</a:t>
           </a:r>
         </a:p>
       </dgm:t>
@@ -4798,7 +4798,7 @@
               <a:latin typeface="Arial" panose="020B0604020202020204" pitchFamily="34" charset="0"/>
               <a:cs typeface="Arial" panose="020B0604020202020204" pitchFamily="34" charset="0"/>
             </a:rPr>
-            <a:t>LƯU THÔNG TIN KHÁC HÀNG</a:t>
+            <a:t>LƯU THÔNG TIN KHÁCH HÀNG</a:t>
           </a:r>
         </a:p>
       </dsp:txBody>
@@ -9331,7 +9331,7 @@
           <a:p>
             <a:fld id="{EA0C0817-A112-4847-8014-A94B7D2A4EA3}" type="datetime1">
               <a:rPr lang="en-US" smtClean="0"/>
-              <a:t>7/2/2022</a:t>
+              <a:t>7/3/2022</a:t>
             </a:fld>
             <a:endParaRPr lang="en-US" dirty="0"/>
           </a:p>
@@ -9542,7 +9542,7 @@
           <a:p>
             <a:fld id="{F6FA2B21-3FCD-4721-B95C-427943F61125}" type="datetime1">
               <a:rPr lang="en-US" smtClean="0"/>
-              <a:t>7/2/2022</a:t>
+              <a:t>7/3/2022</a:t>
             </a:fld>
             <a:endParaRPr lang="en-US" dirty="0"/>
           </a:p>
@@ -9758,7 +9758,7 @@
           <a:p>
             <a:fld id="{F6FA2B21-3FCD-4721-B95C-427943F61125}" type="datetime1">
               <a:rPr lang="en-US" smtClean="0"/>
-              <a:t>7/2/2022</a:t>
+              <a:t>7/3/2022</a:t>
             </a:fld>
             <a:endParaRPr lang="en-US" dirty="0"/>
           </a:p>
@@ -9960,7 +9960,7 @@
           <a:p>
             <a:fld id="{7332B432-ACDA-4023-A761-2BAB76577B62}" type="datetime1">
               <a:rPr lang="en-US" smtClean="0"/>
-              <a:t>7/2/2022</a:t>
+              <a:t>7/3/2022</a:t>
             </a:fld>
             <a:endParaRPr lang="en-US" dirty="0"/>
           </a:p>
@@ -10239,7 +10239,7 @@
           <a:p>
             <a:fld id="{D9C646AA-F36E-4540-911D-FFFC0A0EF24A}" type="datetime1">
               <a:rPr lang="en-US" smtClean="0"/>
-              <a:t>7/2/2022</a:t>
+              <a:t>7/3/2022</a:t>
             </a:fld>
             <a:endParaRPr lang="en-US" dirty="0"/>
           </a:p>
@@ -10507,7 +10507,7 @@
           <a:p>
             <a:fld id="{69186D26-FA5F-4637-B602-B7C2DC34CFD4}" type="datetime1">
               <a:rPr lang="en-US" smtClean="0"/>
-              <a:t>7/2/2022</a:t>
+              <a:t>7/3/2022</a:t>
             </a:fld>
             <a:endParaRPr lang="en-US" dirty="0"/>
           </a:p>
@@ -10923,7 +10923,7 @@
           <a:p>
             <a:fld id="{8A7F15D8-96D1-4781-BC50-CA8A088B2FE4}" type="datetime1">
               <a:rPr lang="en-US" smtClean="0"/>
-              <a:t>7/2/2022</a:t>
+              <a:t>7/3/2022</a:t>
             </a:fld>
             <a:endParaRPr lang="en-US" dirty="0"/>
           </a:p>
@@ -11072,7 +11072,7 @@
           <a:p>
             <a:fld id="{F9A96C99-B8F8-4528-BD05-0E16E943DC09}" type="datetime1">
               <a:rPr lang="en-US" smtClean="0"/>
-              <a:t>7/2/2022</a:t>
+              <a:t>7/3/2022</a:t>
             </a:fld>
             <a:endParaRPr lang="en-US" dirty="0"/>
           </a:p>
@@ -11198,7 +11198,7 @@
           <a:p>
             <a:fld id="{03636942-C211-4B28-8DBD-C953E00AF71B}" type="datetime1">
               <a:rPr lang="en-US" smtClean="0"/>
-              <a:t>7/2/2022</a:t>
+              <a:t>7/3/2022</a:t>
             </a:fld>
             <a:endParaRPr lang="en-US" dirty="0"/>
           </a:p>
@@ -11449,7 +11449,7 @@
           <a:p>
             <a:fld id="{7E8D12A6-918A-48BD-8CB9-CA713993B0EA}" type="datetime1">
               <a:rPr lang="en-US" smtClean="0"/>
-              <a:t>7/2/2022</a:t>
+              <a:t>7/3/2022</a:t>
             </a:fld>
             <a:endParaRPr lang="en-US" dirty="0"/>
           </a:p>
@@ -11895,7 +11895,7 @@
             <a:fld id="{E778CE86-875F-4587-BCF6-FA054AFC0D53}" type="datetime1">
               <a:rPr lang="en-US" smtClean="0"/>
               <a:pPr/>
-              <a:t>7/2/2022</a:t>
+              <a:t>7/3/2022</a:t>
             </a:fld>
             <a:endParaRPr lang="en-US" dirty="0"/>
           </a:p>
@@ -12223,7 +12223,7 @@
           <a:p>
             <a:fld id="{F6FA2B21-3FCD-4721-B95C-427943F61125}" type="datetime1">
               <a:rPr lang="en-US" smtClean="0"/>
-              <a:t>7/2/2022</a:t>
+              <a:t>7/3/2022</a:t>
             </a:fld>
             <a:endParaRPr lang="en-US" dirty="0"/>
           </a:p>
@@ -13266,7 +13266,7 @@
             <p:ph idx="1"/>
             <p:extLst>
               <p:ext uri="{D42A27DB-BD31-4B8C-83A1-F6EECF244321}">
-                <p14:modId xmlns:p14="http://schemas.microsoft.com/office/powerpoint/2010/main" val="4158931898"/>
+                <p14:modId xmlns:p14="http://schemas.microsoft.com/office/powerpoint/2010/main" val="1806371601"/>
               </p:ext>
             </p:extLst>
           </p:nvPr>
@@ -13704,21 +13704,21 @@
 </file>
 
 <file path=customXml/item1.xml><?xml version="1.0" encoding="utf-8"?>
+<?mso-contentType ?>
+<FormTemplates xmlns="http://schemas.microsoft.com/sharepoint/v3/contenttype/forms">
+  <Display>DocumentLibraryForm</Display>
+  <Edit>DocumentLibraryForm</Edit>
+  <New>DocumentLibraryForm</New>
+</FormTemplates>
+</file>
+
+<file path=customXml/item2.xml><?xml version="1.0" encoding="utf-8"?>
 <p:properties xmlns:p="http://schemas.microsoft.com/office/2006/metadata/properties" xmlns:xsi="http://www.w3.org/2001/XMLSchema-instance" xmlns:pc="http://schemas.microsoft.com/office/infopath/2007/PartnerControls">
   <documentManagement>
     <Status xmlns="71af3243-3dd4-4a8d-8c0d-dd76da1f02a5">Not started</Status>
     <MediaServiceKeyPoints xmlns="71af3243-3dd4-4a8d-8c0d-dd76da1f02a5" xsi:nil="true"/>
   </documentManagement>
 </p:properties>
-</file>
-
-<file path=customXml/item2.xml><?xml version="1.0" encoding="utf-8"?>
-<?mso-contentType ?>
-<FormTemplates xmlns="http://schemas.microsoft.com/sharepoint/v3/contenttype/forms">
-  <Display>DocumentLibraryForm</Display>
-  <Edit>DocumentLibraryForm</Edit>
-  <New>DocumentLibraryForm</New>
-</FormTemplates>
 </file>
 
 <file path=customXml/item3.xml><?xml version="1.0" encoding="utf-8"?>
@@ -13943,19 +13943,19 @@
 </file>
 
 <file path=customXml/itemProps1.xml><?xml version="1.0" encoding="utf-8"?>
+<ds:datastoreItem xmlns:ds="http://schemas.openxmlformats.org/officeDocument/2006/customXml" ds:itemID="{CDB58277-F8DF-46FF-84EC-EF41B835E69F}">
+  <ds:schemaRefs>
+    <ds:schemaRef ds:uri="http://schemas.microsoft.com/sharepoint/v3/contenttype/forms"/>
+  </ds:schemaRefs>
+</ds:datastoreItem>
+</file>
+
+<file path=customXml/itemProps2.xml><?xml version="1.0" encoding="utf-8"?>
 <ds:datastoreItem xmlns:ds="http://schemas.openxmlformats.org/officeDocument/2006/customXml" ds:itemID="{137651BA-F45C-4845-9AB3-E0A65B39F5E1}">
   <ds:schemaRefs>
     <ds:schemaRef ds:uri="http://schemas.microsoft.com/office/2006/metadata/properties"/>
     <ds:schemaRef ds:uri="http://schemas.microsoft.com/office/infopath/2007/PartnerControls"/>
     <ds:schemaRef ds:uri="71af3243-3dd4-4a8d-8c0d-dd76da1f02a5"/>
-  </ds:schemaRefs>
-</ds:datastoreItem>
-</file>
-
-<file path=customXml/itemProps2.xml><?xml version="1.0" encoding="utf-8"?>
-<ds:datastoreItem xmlns:ds="http://schemas.openxmlformats.org/officeDocument/2006/customXml" ds:itemID="{CDB58277-F8DF-46FF-84EC-EF41B835E69F}">
-  <ds:schemaRefs>
-    <ds:schemaRef ds:uri="http://schemas.microsoft.com/sharepoint/v3/contenttype/forms"/>
   </ds:schemaRefs>
 </ds:datastoreItem>
 </file>
